--- a/Info/6k_analysis.pptx
+++ b/Info/6k_analysis.pptx
@@ -5,7 +5,10 @@
     <p:sldMasterId id="2147483648" r:id="rId1"/>
   </p:sldMasterIdLst>
   <p:sldIdLst>
-    <p:sldId id="256" r:id="rId2"/>
+    <p:sldId id="257" r:id="rId2"/>
+    <p:sldId id="258" r:id="rId3"/>
+    <p:sldId id="259" r:id="rId4"/>
+    <p:sldId id="256" r:id="rId5"/>
   </p:sldIdLst>
   <p:sldSz cx="12192000" cy="6858000"/>
   <p:notesSz cx="6858000" cy="9144000"/>
@@ -104,6 +107,11 @@
       </a:defRPr>
     </a:lvl9pPr>
   </p:defaultTextStyle>
+  <p:extLst>
+    <p:ext uri="{EFAFB233-063F-42B5-8137-9DF3F51BA10A}">
+      <p15:sldGuideLst xmlns:p15="http://schemas.microsoft.com/office/powerpoint/2012/main"/>
+    </p:ext>
+  </p:extLst>
 </p:presentation>
 </file>
 
@@ -254,7 +262,7 @@
           <a:p>
             <a:fld id="{1E61EA11-F860-42DE-81F5-2E5D86408EED}" type="datetimeFigureOut">
               <a:rPr lang="en-US" smtClean="0"/>
-              <a:t>2/25/2025</a:t>
+              <a:t>2/26/2025</a:t>
             </a:fld>
             <a:endParaRPr lang="en-US"/>
           </a:p>
@@ -452,7 +460,7 @@
           <a:p>
             <a:fld id="{1E61EA11-F860-42DE-81F5-2E5D86408EED}" type="datetimeFigureOut">
               <a:rPr lang="en-US" smtClean="0"/>
-              <a:t>2/25/2025</a:t>
+              <a:t>2/26/2025</a:t>
             </a:fld>
             <a:endParaRPr lang="en-US"/>
           </a:p>
@@ -660,7 +668,7 @@
           <a:p>
             <a:fld id="{1E61EA11-F860-42DE-81F5-2E5D86408EED}" type="datetimeFigureOut">
               <a:rPr lang="en-US" smtClean="0"/>
-              <a:t>2/25/2025</a:t>
+              <a:t>2/26/2025</a:t>
             </a:fld>
             <a:endParaRPr lang="en-US"/>
           </a:p>
@@ -858,7 +866,7 @@
           <a:p>
             <a:fld id="{1E61EA11-F860-42DE-81F5-2E5D86408EED}" type="datetimeFigureOut">
               <a:rPr lang="en-US" smtClean="0"/>
-              <a:t>2/25/2025</a:t>
+              <a:t>2/26/2025</a:t>
             </a:fld>
             <a:endParaRPr lang="en-US"/>
           </a:p>
@@ -1133,7 +1141,7 @@
           <a:p>
             <a:fld id="{1E61EA11-F860-42DE-81F5-2E5D86408EED}" type="datetimeFigureOut">
               <a:rPr lang="en-US" smtClean="0"/>
-              <a:t>2/25/2025</a:t>
+              <a:t>2/26/2025</a:t>
             </a:fld>
             <a:endParaRPr lang="en-US"/>
           </a:p>
@@ -1398,7 +1406,7 @@
           <a:p>
             <a:fld id="{1E61EA11-F860-42DE-81F5-2E5D86408EED}" type="datetimeFigureOut">
               <a:rPr lang="en-US" smtClean="0"/>
-              <a:t>2/25/2025</a:t>
+              <a:t>2/26/2025</a:t>
             </a:fld>
             <a:endParaRPr lang="en-US"/>
           </a:p>
@@ -1810,7 +1818,7 @@
           <a:p>
             <a:fld id="{1E61EA11-F860-42DE-81F5-2E5D86408EED}" type="datetimeFigureOut">
               <a:rPr lang="en-US" smtClean="0"/>
-              <a:t>2/25/2025</a:t>
+              <a:t>2/26/2025</a:t>
             </a:fld>
             <a:endParaRPr lang="en-US"/>
           </a:p>
@@ -1951,7 +1959,7 @@
           <a:p>
             <a:fld id="{1E61EA11-F860-42DE-81F5-2E5D86408EED}" type="datetimeFigureOut">
               <a:rPr lang="en-US" smtClean="0"/>
-              <a:t>2/25/2025</a:t>
+              <a:t>2/26/2025</a:t>
             </a:fld>
             <a:endParaRPr lang="en-US"/>
           </a:p>
@@ -2064,7 +2072,7 @@
           <a:p>
             <a:fld id="{1E61EA11-F860-42DE-81F5-2E5D86408EED}" type="datetimeFigureOut">
               <a:rPr lang="en-US" smtClean="0"/>
-              <a:t>2/25/2025</a:t>
+              <a:t>2/26/2025</a:t>
             </a:fld>
             <a:endParaRPr lang="en-US"/>
           </a:p>
@@ -2375,7 +2383,7 @@
           <a:p>
             <a:fld id="{1E61EA11-F860-42DE-81F5-2E5D86408EED}" type="datetimeFigureOut">
               <a:rPr lang="en-US" smtClean="0"/>
-              <a:t>2/25/2025</a:t>
+              <a:t>2/26/2025</a:t>
             </a:fld>
             <a:endParaRPr lang="en-US"/>
           </a:p>
@@ -2663,7 +2671,7 @@
           <a:p>
             <a:fld id="{1E61EA11-F860-42DE-81F5-2E5D86408EED}" type="datetimeFigureOut">
               <a:rPr lang="en-US" smtClean="0"/>
-              <a:t>2/25/2025</a:t>
+              <a:t>2/26/2025</a:t>
             </a:fld>
             <a:endParaRPr lang="en-US"/>
           </a:p>
@@ -2904,7 +2912,7 @@
           <a:p>
             <a:fld id="{1E61EA11-F860-42DE-81F5-2E5D86408EED}" type="datetimeFigureOut">
               <a:rPr lang="en-US" smtClean="0"/>
-              <a:t>2/25/2025</a:t>
+              <a:t>2/26/2025</a:t>
             </a:fld>
             <a:endParaRPr lang="en-US"/>
           </a:p>
@@ -3349,8 +3357,8 @@
         </p:blipFill>
         <p:spPr>
           <a:xfrm>
-            <a:off x="4545591" y="997637"/>
-            <a:ext cx="7460141" cy="4862725"/>
+            <a:off x="5879648" y="3042989"/>
+            <a:ext cx="5165118" cy="3366766"/>
           </a:xfrm>
           <a:prstGeom prst="roundRect">
             <a:avLst>
@@ -3373,8 +3381,112 @@
         </p:nvSpPr>
         <p:spPr>
           <a:xfrm>
-            <a:off x="728134" y="1380066"/>
-            <a:ext cx="3005666" cy="2308324"/>
+            <a:off x="270935" y="262466"/>
+            <a:ext cx="4021664" cy="2349579"/>
+          </a:xfrm>
+          <a:prstGeom prst="roundRect">
+            <a:avLst/>
+          </a:prstGeom>
+          <a:solidFill>
+            <a:schemeClr val="accent1">
+              <a:lumMod val="20000"/>
+              <a:lumOff val="80000"/>
+            </a:schemeClr>
+          </a:solidFill>
+        </p:spPr>
+        <p:txBody>
+          <a:bodyPr wrap="square" rtlCol="0">
+            <a:spAutoFit/>
+          </a:bodyPr>
+          <a:lstStyle/>
+          <a:p>
+            <a:pPr algn="ctr"/>
+            <a:r>
+              <a:rPr lang="en-US" b="1" dirty="0">
+                <a:solidFill>
+                  <a:schemeClr val="accent1">
+                    <a:lumMod val="50000"/>
+                  </a:schemeClr>
+                </a:solidFill>
+              </a:rPr>
+              <a:t>Filtering criteria</a:t>
+            </a:r>
+          </a:p>
+          <a:p>
+            <a:endParaRPr lang="en-US" dirty="0"/>
+          </a:p>
+          <a:p>
+            <a:r>
+              <a:rPr lang="en-US" sz="1600" dirty="0" err="1"/>
+              <a:t>to_keep</a:t>
+            </a:r>
+            <a:r>
+              <a:rPr lang="en-US" sz="1600" dirty="0"/>
+              <a:t> == TRUE when:</a:t>
+            </a:r>
+          </a:p>
+          <a:p>
+            <a:endParaRPr lang="en-US" sz="1600" dirty="0"/>
+          </a:p>
+          <a:p>
+            <a:pPr marL="285750" indent="-285750">
+              <a:buFont typeface="Arial" panose="020B0604020202020204" pitchFamily="34" charset="0"/>
+              <a:buChar char="•"/>
+            </a:pPr>
+            <a:r>
+              <a:rPr lang="en-US" sz="1600" dirty="0"/>
+              <a:t>Total counts 		&gt;= 50</a:t>
+            </a:r>
+          </a:p>
+          <a:p>
+            <a:pPr marL="285750" indent="-285750">
+              <a:buFont typeface="Arial" panose="020B0604020202020204" pitchFamily="34" charset="0"/>
+              <a:buChar char="•"/>
+            </a:pPr>
+            <a:r>
+              <a:rPr lang="en-US" sz="1600" dirty="0"/>
+              <a:t>Negative fraction 		&lt;= 0.1</a:t>
+            </a:r>
+          </a:p>
+          <a:p>
+            <a:pPr marL="285750" indent="-285750">
+              <a:buFont typeface="Arial" panose="020B0604020202020204" pitchFamily="34" charset="0"/>
+              <a:buChar char="•"/>
+            </a:pPr>
+            <a:r>
+              <a:rPr lang="en-US" sz="1600" dirty="0"/>
+              <a:t>Complexity* 		&gt; 1 </a:t>
+            </a:r>
+          </a:p>
+          <a:p>
+            <a:pPr marL="285750" indent="-285750">
+              <a:buFont typeface="Arial" panose="020B0604020202020204" pitchFamily="34" charset="0"/>
+              <a:buChar char="•"/>
+            </a:pPr>
+            <a:r>
+              <a:rPr lang="en-US" sz="1600" dirty="0"/>
+              <a:t>Outlier (area)		== FALSE</a:t>
+            </a:r>
+            <a:endParaRPr lang="en-US" dirty="0"/>
+          </a:p>
+        </p:txBody>
+      </p:sp>
+      <p:sp>
+        <p:nvSpPr>
+          <p:cNvPr id="8" name="TextBox 7">
+            <a:extLst>
+              <a:ext uri="{FF2B5EF4-FFF2-40B4-BE49-F238E27FC236}">
+                <a16:creationId xmlns:a16="http://schemas.microsoft.com/office/drawing/2014/main" id="{4C7B422A-6D93-451E-9439-92333C31A031}"/>
+              </a:ext>
+            </a:extLst>
+          </p:cNvPr>
+          <p:cNvSpPr txBox="1"/>
+          <p:nvPr/>
+        </p:nvSpPr>
+        <p:spPr>
+          <a:xfrm>
+            <a:off x="2209799" y="2612045"/>
+            <a:ext cx="2082800" cy="261610"/>
           </a:xfrm>
           <a:prstGeom prst="rect">
             <a:avLst/>
@@ -3382,80 +3494,24 @@
           <a:noFill/>
         </p:spPr>
         <p:txBody>
-          <a:bodyPr wrap="square" rtlCol="0">
+          <a:bodyPr wrap="square">
             <a:spAutoFit/>
           </a:bodyPr>
           <a:lstStyle/>
           <a:p>
             <a:r>
-              <a:rPr lang="en-US" dirty="0"/>
-              <a:t>Filtering criteria:</a:t>
-            </a:r>
-          </a:p>
-          <a:p>
-            <a:endParaRPr lang="en-US" dirty="0"/>
-          </a:p>
-          <a:p>
-            <a:r>
-              <a:rPr lang="en-US" dirty="0" err="1"/>
-              <a:t>to_keep</a:t>
-            </a:r>
-            <a:r>
-              <a:rPr lang="en-US" dirty="0"/>
-              <a:t> == TRUE when:</a:t>
-            </a:r>
-          </a:p>
-          <a:p>
-            <a:endParaRPr lang="en-US" dirty="0"/>
-          </a:p>
-          <a:p>
-            <a:pPr marL="285750" indent="-285750">
-              <a:buFont typeface="Arial" panose="020B0604020202020204" pitchFamily="34" charset="0"/>
-              <a:buChar char="•"/>
-            </a:pPr>
-            <a:r>
-              <a:rPr lang="en-US" dirty="0"/>
-              <a:t>Total counts &gt;= 50</a:t>
-            </a:r>
-          </a:p>
-          <a:p>
-            <a:pPr marL="285750" indent="-285750">
-              <a:buFont typeface="Arial" panose="020B0604020202020204" pitchFamily="34" charset="0"/>
-              <a:buChar char="•"/>
-            </a:pPr>
-            <a:r>
-              <a:rPr lang="en-US" dirty="0"/>
-              <a:t>Negative fraction &lt;= 0.1</a:t>
-            </a:r>
-          </a:p>
-          <a:p>
-            <a:pPr marL="285750" indent="-285750">
-              <a:buFont typeface="Arial" panose="020B0604020202020204" pitchFamily="34" charset="0"/>
-              <a:buChar char="•"/>
-            </a:pPr>
-            <a:r>
-              <a:rPr lang="en-US" dirty="0"/>
-              <a:t>*Complexity &gt; 1 </a:t>
-            </a:r>
-          </a:p>
-          <a:p>
-            <a:pPr marL="285750" indent="-285750">
-              <a:buFont typeface="Arial" panose="020B0604020202020204" pitchFamily="34" charset="0"/>
-              <a:buChar char="•"/>
-            </a:pPr>
-            <a:r>
-              <a:rPr lang="en-US" dirty="0"/>
-              <a:t>Outlier (area) == FALSE</a:t>
-            </a:r>
-          </a:p>
-        </p:txBody>
-      </p:sp>
-      <p:sp>
-        <p:nvSpPr>
-          <p:cNvPr id="8" name="TextBox 7">
-            <a:extLst>
-              <a:ext uri="{FF2B5EF4-FFF2-40B4-BE49-F238E27FC236}">
-                <a16:creationId xmlns:a16="http://schemas.microsoft.com/office/drawing/2014/main" id="{4C7B422A-6D93-451E-9439-92333C31A031}"/>
+              <a:rPr lang="en-US" sz="1100" dirty="0"/>
+              <a:t>* Total counts / detected genes</a:t>
+            </a:r>
+          </a:p>
+        </p:txBody>
+      </p:sp>
+      <p:sp>
+        <p:nvSpPr>
+          <p:cNvPr id="7" name="TextBox 6">
+            <a:extLst>
+              <a:ext uri="{FF2B5EF4-FFF2-40B4-BE49-F238E27FC236}">
+                <a16:creationId xmlns:a16="http://schemas.microsoft.com/office/drawing/2014/main" id="{F9C1B78B-2D0E-410C-8B54-FCCF3B8C6A41}"/>
               </a:ext>
             </a:extLst>
           </p:cNvPr>
@@ -3464,8 +3520,8 @@
         </p:nvSpPr>
         <p:spPr>
           <a:xfrm>
-            <a:off x="728134" y="5110031"/>
-            <a:ext cx="3302000" cy="369332"/>
+            <a:off x="4804834" y="262466"/>
+            <a:ext cx="5342465" cy="461665"/>
           </a:xfrm>
           <a:prstGeom prst="rect">
             <a:avLst/>
@@ -3479,9 +3535,1424 @@
           <a:lstStyle/>
           <a:p>
             <a:r>
-              <a:rPr lang="en-US" dirty="0"/>
+              <a:rPr lang="en-GB" sz="1200" dirty="0"/>
+              <a:t>Minimal counts per cell: recommend </a:t>
+            </a:r>
+            <a:r>
+              <a:rPr lang="en-GB" sz="1200" b="1" dirty="0">
+                <a:solidFill>
+                  <a:srgbClr val="C00000"/>
+                </a:solidFill>
+              </a:rPr>
+              <a:t>50 or 100 for 6K panel</a:t>
+            </a:r>
+            <a:r>
+              <a:rPr lang="en-GB" sz="1200" dirty="0"/>
+              <a:t>; </a:t>
+            </a:r>
+          </a:p>
+          <a:p>
+            <a:r>
+              <a:rPr lang="en-GB" sz="1200" dirty="0"/>
+              <a:t>must be &gt;1. Increase the threshold to make QC more conservative. </a:t>
+            </a:r>
+            <a:endParaRPr lang="en-US" sz="1200" dirty="0"/>
+          </a:p>
+        </p:txBody>
+      </p:sp>
+      <p:sp>
+        <p:nvSpPr>
+          <p:cNvPr id="10" name="TextBox 9">
+            <a:extLst>
+              <a:ext uri="{FF2B5EF4-FFF2-40B4-BE49-F238E27FC236}">
+                <a16:creationId xmlns:a16="http://schemas.microsoft.com/office/drawing/2014/main" id="{80A884BF-8F18-48FF-A5F9-0D0EE15BD0C3}"/>
+              </a:ext>
+            </a:extLst>
+          </p:cNvPr>
+          <p:cNvSpPr txBox="1"/>
+          <p:nvPr/>
+        </p:nvSpPr>
+        <p:spPr>
+          <a:xfrm>
+            <a:off x="4804834" y="816905"/>
+            <a:ext cx="7353300" cy="461665"/>
+          </a:xfrm>
+          <a:prstGeom prst="rect">
+            <a:avLst/>
+          </a:prstGeom>
+          <a:noFill/>
+        </p:spPr>
+        <p:txBody>
+          <a:bodyPr wrap="square">
+            <a:spAutoFit/>
+          </a:bodyPr>
+          <a:lstStyle/>
+          <a:p>
+            <a:r>
+              <a:rPr lang="en-GB" sz="1200" dirty="0"/>
+              <a:t>Proportion of negative counts: flag cells where </a:t>
+            </a:r>
+            <a:r>
+              <a:rPr lang="en-GB" sz="1200" b="1" dirty="0">
+                <a:solidFill>
+                  <a:srgbClr val="C00000"/>
+                </a:solidFill>
+              </a:rPr>
+              <a:t>&gt;10% (0.1, the default value) </a:t>
+            </a:r>
+            <a:r>
+              <a:rPr lang="en-GB" sz="1200" dirty="0"/>
+              <a:t>of the counts per cell</a:t>
+            </a:r>
+          </a:p>
+          <a:p>
+            <a:r>
+              <a:rPr lang="en-GB" sz="1200" dirty="0"/>
+              <a:t>are negative probes. Decrease the threshold to make QC more conservative.</a:t>
+            </a:r>
+            <a:endParaRPr lang="en-US" sz="1200" dirty="0"/>
+          </a:p>
+        </p:txBody>
+      </p:sp>
+      <p:sp>
+        <p:nvSpPr>
+          <p:cNvPr id="11" name="TextBox 10">
+            <a:extLst>
+              <a:ext uri="{FF2B5EF4-FFF2-40B4-BE49-F238E27FC236}">
+                <a16:creationId xmlns:a16="http://schemas.microsoft.com/office/drawing/2014/main" id="{082E1FCE-0B81-44AF-8566-3DCEF06D30BC}"/>
+              </a:ext>
+            </a:extLst>
+          </p:cNvPr>
+          <p:cNvSpPr txBox="1"/>
+          <p:nvPr/>
+        </p:nvSpPr>
+        <p:spPr>
+          <a:xfrm>
+            <a:off x="4804834" y="1371344"/>
+            <a:ext cx="7670800" cy="646331"/>
+          </a:xfrm>
+          <a:prstGeom prst="rect">
+            <a:avLst/>
+          </a:prstGeom>
+          <a:noFill/>
+        </p:spPr>
+        <p:txBody>
+          <a:bodyPr wrap="square">
+            <a:spAutoFit/>
+          </a:bodyPr>
+          <a:lstStyle/>
+          <a:p>
+            <a:r>
+              <a:rPr lang="en-GB" sz="1200" dirty="0"/>
+              <a:t>Count distribution: flag cells where </a:t>
+            </a:r>
+            <a:r>
+              <a:rPr lang="en-GB" sz="1200" b="1" dirty="0">
+                <a:solidFill>
+                  <a:srgbClr val="C00000"/>
+                </a:solidFill>
+              </a:rPr>
+              <a:t>(total counts) / (number of detected genes) ≤1 </a:t>
+            </a:r>
+            <a:r>
+              <a:rPr lang="en-GB" sz="1200" dirty="0"/>
+              <a:t>(default value;</a:t>
+            </a:r>
+          </a:p>
+          <a:p>
+            <a:r>
+              <a:rPr lang="en-GB" sz="1200" dirty="0"/>
+              <a:t>range 1-200). In other words, total counts must exceed the number of detected genes in the cell.</a:t>
+            </a:r>
+          </a:p>
+          <a:p>
+            <a:r>
+              <a:rPr lang="en-GB" sz="1200" dirty="0"/>
+              <a:t>Increase threshold to make QC more conservative.</a:t>
+            </a:r>
+            <a:endParaRPr lang="en-US" sz="1200" dirty="0"/>
+          </a:p>
+        </p:txBody>
+      </p:sp>
+      <p:sp>
+        <p:nvSpPr>
+          <p:cNvPr id="13" name="TextBox 12">
+            <a:extLst>
+              <a:ext uri="{FF2B5EF4-FFF2-40B4-BE49-F238E27FC236}">
+                <a16:creationId xmlns:a16="http://schemas.microsoft.com/office/drawing/2014/main" id="{54FCA2CF-283A-4722-B94F-1E494A7520E6}"/>
+              </a:ext>
+            </a:extLst>
+          </p:cNvPr>
+          <p:cNvSpPr txBox="1"/>
+          <p:nvPr/>
+        </p:nvSpPr>
+        <p:spPr>
+          <a:xfrm>
+            <a:off x="4804834" y="2110449"/>
+            <a:ext cx="6239932" cy="276999"/>
+          </a:xfrm>
+          <a:prstGeom prst="rect">
+            <a:avLst/>
+          </a:prstGeom>
+          <a:noFill/>
+        </p:spPr>
+        <p:txBody>
+          <a:bodyPr wrap="square">
+            <a:spAutoFit/>
+          </a:bodyPr>
+          <a:lstStyle/>
+          <a:p>
+            <a:r>
+              <a:rPr lang="en-GB" sz="1200" dirty="0"/>
+              <a:t>Area outlier: </a:t>
+            </a:r>
+            <a:r>
+              <a:rPr lang="en-GB" sz="1200" b="1" dirty="0">
+                <a:solidFill>
+                  <a:srgbClr val="C00000"/>
+                </a:solidFill>
+              </a:rPr>
+              <a:t>Grubb's test p-value (default: 0.01, range 0-1) </a:t>
+            </a:r>
+            <a:r>
+              <a:rPr lang="en-GB" sz="1200" dirty="0"/>
+              <a:t>to flag outlier cells based on cell area.</a:t>
+            </a:r>
+            <a:endParaRPr lang="en-US" sz="1200" dirty="0"/>
+          </a:p>
+        </p:txBody>
+      </p:sp>
+    </p:spTree>
+    <p:extLst>
+      <p:ext uri="{BB962C8B-B14F-4D97-AF65-F5344CB8AC3E}">
+        <p14:creationId xmlns:p14="http://schemas.microsoft.com/office/powerpoint/2010/main" val="1159571029"/>
+      </p:ext>
+    </p:extLst>
+  </p:cSld>
+  <p:clrMapOvr>
+    <a:masterClrMapping/>
+  </p:clrMapOvr>
+</p:sld>
+</file>
+
+<file path=ppt/slides/slide2.xml><?xml version="1.0" encoding="utf-8"?>
+<p:sld xmlns:a="http://schemas.openxmlformats.org/drawingml/2006/main" xmlns:r="http://schemas.openxmlformats.org/officeDocument/2006/relationships" xmlns:p="http://schemas.openxmlformats.org/presentationml/2006/main">
+  <p:cSld>
+    <p:spTree>
+      <p:nvGrpSpPr>
+        <p:cNvPr id="1" name=""/>
+        <p:cNvGrpSpPr/>
+        <p:nvPr/>
+      </p:nvGrpSpPr>
+      <p:grpSpPr>
+        <a:xfrm>
+          <a:off x="0" y="0"/>
+          <a:ext cx="0" cy="0"/>
+          <a:chOff x="0" y="0"/>
+          <a:chExt cx="0" cy="0"/>
+        </a:xfrm>
+      </p:grpSpPr>
+      <p:pic>
+        <p:nvPicPr>
+          <p:cNvPr id="5" name="Picture 4">
+            <a:extLst>
+              <a:ext uri="{FF2B5EF4-FFF2-40B4-BE49-F238E27FC236}">
+                <a16:creationId xmlns:a16="http://schemas.microsoft.com/office/drawing/2014/main" id="{337DDB75-8F85-4BBA-AD00-1F7A65C23958}"/>
+              </a:ext>
+            </a:extLst>
+          </p:cNvPr>
+          <p:cNvPicPr>
+            <a:picLocks noChangeAspect="1"/>
+          </p:cNvPicPr>
+          <p:nvPr/>
+        </p:nvPicPr>
+        <p:blipFill>
+          <a:blip r:embed="rId2">
+            <a:extLst>
+              <a:ext uri="{28A0092B-C50C-407E-A947-70E740481C1C}">
+                <a14:useLocalDpi xmlns:a14="http://schemas.microsoft.com/office/drawing/2010/main" val="0"/>
+              </a:ext>
+            </a:extLst>
+          </a:blip>
+          <a:stretch>
+            <a:fillRect/>
+          </a:stretch>
+        </p:blipFill>
+        <p:spPr>
+          <a:xfrm>
+            <a:off x="5879648" y="3042989"/>
+            <a:ext cx="5165118" cy="3366766"/>
+          </a:xfrm>
+          <a:prstGeom prst="roundRect">
+            <a:avLst>
+              <a:gd name="adj" fmla="val 17363"/>
+            </a:avLst>
+          </a:prstGeom>
+        </p:spPr>
+      </p:pic>
+      <p:sp>
+        <p:nvSpPr>
+          <p:cNvPr id="6" name="TextBox 5">
+            <a:extLst>
+              <a:ext uri="{FF2B5EF4-FFF2-40B4-BE49-F238E27FC236}">
+                <a16:creationId xmlns:a16="http://schemas.microsoft.com/office/drawing/2014/main" id="{993848A3-D079-47FA-80C3-9F3DA36E6A14}"/>
+              </a:ext>
+            </a:extLst>
+          </p:cNvPr>
+          <p:cNvSpPr txBox="1"/>
+          <p:nvPr/>
+        </p:nvSpPr>
+        <p:spPr>
+          <a:xfrm>
+            <a:off x="270935" y="262466"/>
+            <a:ext cx="4021664" cy="2349579"/>
+          </a:xfrm>
+          <a:prstGeom prst="roundRect">
+            <a:avLst/>
+          </a:prstGeom>
+          <a:solidFill>
+            <a:schemeClr val="accent1">
+              <a:lumMod val="20000"/>
+              <a:lumOff val="80000"/>
+            </a:schemeClr>
+          </a:solidFill>
+        </p:spPr>
+        <p:txBody>
+          <a:bodyPr wrap="square" rtlCol="0">
+            <a:spAutoFit/>
+          </a:bodyPr>
+          <a:lstStyle/>
+          <a:p>
+            <a:pPr algn="ctr"/>
+            <a:r>
+              <a:rPr lang="en-US" b="1" dirty="0">
+                <a:solidFill>
+                  <a:schemeClr val="accent1">
+                    <a:lumMod val="50000"/>
+                  </a:schemeClr>
+                </a:solidFill>
+              </a:rPr>
+              <a:t>Filtering criteria</a:t>
+            </a:r>
+          </a:p>
+          <a:p>
+            <a:endParaRPr lang="en-US" dirty="0"/>
+          </a:p>
+          <a:p>
+            <a:r>
+              <a:rPr lang="en-US" sz="1600" dirty="0" err="1"/>
+              <a:t>to_keep</a:t>
+            </a:r>
+            <a:r>
+              <a:rPr lang="en-US" sz="1600" dirty="0"/>
+              <a:t> == TRUE when:</a:t>
+            </a:r>
+          </a:p>
+          <a:p>
+            <a:endParaRPr lang="en-US" sz="1600" dirty="0"/>
+          </a:p>
+          <a:p>
+            <a:pPr marL="285750" indent="-285750">
+              <a:buFont typeface="Arial" panose="020B0604020202020204" pitchFamily="34" charset="0"/>
+              <a:buChar char="•"/>
+            </a:pPr>
+            <a:r>
+              <a:rPr lang="en-US" sz="1600" dirty="0"/>
+              <a:t>Total counts 		&gt;= 50</a:t>
+            </a:r>
+          </a:p>
+          <a:p>
+            <a:pPr marL="285750" indent="-285750">
+              <a:buFont typeface="Arial" panose="020B0604020202020204" pitchFamily="34" charset="0"/>
+              <a:buChar char="•"/>
+            </a:pPr>
+            <a:r>
+              <a:rPr lang="en-US" sz="1600" dirty="0"/>
+              <a:t>Negative fraction 		&lt;= 0.1</a:t>
+            </a:r>
+          </a:p>
+          <a:p>
+            <a:pPr marL="285750" indent="-285750">
+              <a:buFont typeface="Arial" panose="020B0604020202020204" pitchFamily="34" charset="0"/>
+              <a:buChar char="•"/>
+            </a:pPr>
+            <a:r>
+              <a:rPr lang="en-US" sz="1600" dirty="0"/>
+              <a:t>Complexity* 		&gt; 1 </a:t>
+            </a:r>
+          </a:p>
+          <a:p>
+            <a:pPr marL="285750" indent="-285750">
+              <a:buFont typeface="Arial" panose="020B0604020202020204" pitchFamily="34" charset="0"/>
+              <a:buChar char="•"/>
+            </a:pPr>
+            <a:r>
+              <a:rPr lang="en-US" sz="1600" dirty="0"/>
+              <a:t>Outlier (area)		== FALSE</a:t>
+            </a:r>
+            <a:endParaRPr lang="en-US" dirty="0"/>
+          </a:p>
+        </p:txBody>
+      </p:sp>
+      <p:sp>
+        <p:nvSpPr>
+          <p:cNvPr id="8" name="TextBox 7">
+            <a:extLst>
+              <a:ext uri="{FF2B5EF4-FFF2-40B4-BE49-F238E27FC236}">
+                <a16:creationId xmlns:a16="http://schemas.microsoft.com/office/drawing/2014/main" id="{4C7B422A-6D93-451E-9439-92333C31A031}"/>
+              </a:ext>
+            </a:extLst>
+          </p:cNvPr>
+          <p:cNvSpPr txBox="1"/>
+          <p:nvPr/>
+        </p:nvSpPr>
+        <p:spPr>
+          <a:xfrm>
+            <a:off x="2209799" y="2612045"/>
+            <a:ext cx="2082800" cy="261610"/>
+          </a:xfrm>
+          <a:prstGeom prst="rect">
+            <a:avLst/>
+          </a:prstGeom>
+          <a:noFill/>
+        </p:spPr>
+        <p:txBody>
+          <a:bodyPr wrap="square">
+            <a:spAutoFit/>
+          </a:bodyPr>
+          <a:lstStyle/>
+          <a:p>
+            <a:r>
+              <a:rPr lang="en-US" sz="1100" dirty="0"/>
               <a:t>* Total counts / detected genes</a:t>
             </a:r>
+          </a:p>
+        </p:txBody>
+      </p:sp>
+      <p:sp>
+        <p:nvSpPr>
+          <p:cNvPr id="7" name="TextBox 6">
+            <a:extLst>
+              <a:ext uri="{FF2B5EF4-FFF2-40B4-BE49-F238E27FC236}">
+                <a16:creationId xmlns:a16="http://schemas.microsoft.com/office/drawing/2014/main" id="{F9C1B78B-2D0E-410C-8B54-FCCF3B8C6A41}"/>
+              </a:ext>
+            </a:extLst>
+          </p:cNvPr>
+          <p:cNvSpPr txBox="1"/>
+          <p:nvPr/>
+        </p:nvSpPr>
+        <p:spPr>
+          <a:xfrm>
+            <a:off x="4804834" y="262466"/>
+            <a:ext cx="5342465" cy="461665"/>
+          </a:xfrm>
+          <a:prstGeom prst="rect">
+            <a:avLst/>
+          </a:prstGeom>
+          <a:noFill/>
+        </p:spPr>
+        <p:txBody>
+          <a:bodyPr wrap="square">
+            <a:spAutoFit/>
+          </a:bodyPr>
+          <a:lstStyle/>
+          <a:p>
+            <a:r>
+              <a:rPr lang="en-GB" sz="1200" dirty="0"/>
+              <a:t>Minimal counts per cell: recommend </a:t>
+            </a:r>
+            <a:r>
+              <a:rPr lang="en-GB" sz="1200" b="1" dirty="0">
+                <a:solidFill>
+                  <a:srgbClr val="C00000"/>
+                </a:solidFill>
+              </a:rPr>
+              <a:t>50 or 100 for 6K panel</a:t>
+            </a:r>
+            <a:r>
+              <a:rPr lang="en-GB" sz="1200" dirty="0"/>
+              <a:t>; </a:t>
+            </a:r>
+          </a:p>
+          <a:p>
+            <a:r>
+              <a:rPr lang="en-GB" sz="1200" dirty="0"/>
+              <a:t>must be &gt;1. Increase the threshold to make QC more conservative. </a:t>
+            </a:r>
+            <a:endParaRPr lang="en-US" sz="1200" dirty="0"/>
+          </a:p>
+        </p:txBody>
+      </p:sp>
+      <p:sp>
+        <p:nvSpPr>
+          <p:cNvPr id="10" name="TextBox 9">
+            <a:extLst>
+              <a:ext uri="{FF2B5EF4-FFF2-40B4-BE49-F238E27FC236}">
+                <a16:creationId xmlns:a16="http://schemas.microsoft.com/office/drawing/2014/main" id="{80A884BF-8F18-48FF-A5F9-0D0EE15BD0C3}"/>
+              </a:ext>
+            </a:extLst>
+          </p:cNvPr>
+          <p:cNvSpPr txBox="1"/>
+          <p:nvPr/>
+        </p:nvSpPr>
+        <p:spPr>
+          <a:xfrm>
+            <a:off x="4804834" y="816905"/>
+            <a:ext cx="7353300" cy="461665"/>
+          </a:xfrm>
+          <a:prstGeom prst="rect">
+            <a:avLst/>
+          </a:prstGeom>
+          <a:noFill/>
+        </p:spPr>
+        <p:txBody>
+          <a:bodyPr wrap="square">
+            <a:spAutoFit/>
+          </a:bodyPr>
+          <a:lstStyle/>
+          <a:p>
+            <a:r>
+              <a:rPr lang="en-GB" sz="1200" dirty="0"/>
+              <a:t>Proportion of negative counts: flag cells where </a:t>
+            </a:r>
+            <a:r>
+              <a:rPr lang="en-GB" sz="1200" b="1" dirty="0">
+                <a:solidFill>
+                  <a:srgbClr val="C00000"/>
+                </a:solidFill>
+              </a:rPr>
+              <a:t>&gt;10% (0.1, the default value) </a:t>
+            </a:r>
+            <a:r>
+              <a:rPr lang="en-GB" sz="1200" dirty="0"/>
+              <a:t>of the counts per cell</a:t>
+            </a:r>
+          </a:p>
+          <a:p>
+            <a:r>
+              <a:rPr lang="en-GB" sz="1200" dirty="0"/>
+              <a:t>are negative probes. Decrease the threshold to make QC more conservative.</a:t>
+            </a:r>
+            <a:endParaRPr lang="en-US" sz="1200" dirty="0"/>
+          </a:p>
+        </p:txBody>
+      </p:sp>
+      <p:sp>
+        <p:nvSpPr>
+          <p:cNvPr id="11" name="TextBox 10">
+            <a:extLst>
+              <a:ext uri="{FF2B5EF4-FFF2-40B4-BE49-F238E27FC236}">
+                <a16:creationId xmlns:a16="http://schemas.microsoft.com/office/drawing/2014/main" id="{082E1FCE-0B81-44AF-8566-3DCEF06D30BC}"/>
+              </a:ext>
+            </a:extLst>
+          </p:cNvPr>
+          <p:cNvSpPr txBox="1"/>
+          <p:nvPr/>
+        </p:nvSpPr>
+        <p:spPr>
+          <a:xfrm>
+            <a:off x="4804834" y="1371344"/>
+            <a:ext cx="7670800" cy="646331"/>
+          </a:xfrm>
+          <a:prstGeom prst="rect">
+            <a:avLst/>
+          </a:prstGeom>
+          <a:noFill/>
+        </p:spPr>
+        <p:txBody>
+          <a:bodyPr wrap="square">
+            <a:spAutoFit/>
+          </a:bodyPr>
+          <a:lstStyle/>
+          <a:p>
+            <a:r>
+              <a:rPr lang="en-GB" sz="1200" dirty="0"/>
+              <a:t>Count distribution: flag cells where </a:t>
+            </a:r>
+            <a:r>
+              <a:rPr lang="en-GB" sz="1200" b="1" dirty="0">
+                <a:solidFill>
+                  <a:srgbClr val="C00000"/>
+                </a:solidFill>
+              </a:rPr>
+              <a:t>(total counts) / (number of detected genes) ≤1 </a:t>
+            </a:r>
+            <a:r>
+              <a:rPr lang="en-GB" sz="1200" dirty="0"/>
+              <a:t>(default value;</a:t>
+            </a:r>
+          </a:p>
+          <a:p>
+            <a:r>
+              <a:rPr lang="en-GB" sz="1200" dirty="0"/>
+              <a:t>range 1-200). In other words, total counts must exceed the number of detected genes in the cell.</a:t>
+            </a:r>
+          </a:p>
+          <a:p>
+            <a:r>
+              <a:rPr lang="en-GB" sz="1200" dirty="0"/>
+              <a:t>Increase threshold to make QC more conservative.</a:t>
+            </a:r>
+            <a:endParaRPr lang="en-US" sz="1200" dirty="0"/>
+          </a:p>
+        </p:txBody>
+      </p:sp>
+      <p:sp>
+        <p:nvSpPr>
+          <p:cNvPr id="13" name="TextBox 12">
+            <a:extLst>
+              <a:ext uri="{FF2B5EF4-FFF2-40B4-BE49-F238E27FC236}">
+                <a16:creationId xmlns:a16="http://schemas.microsoft.com/office/drawing/2014/main" id="{54FCA2CF-283A-4722-B94F-1E494A7520E6}"/>
+              </a:ext>
+            </a:extLst>
+          </p:cNvPr>
+          <p:cNvSpPr txBox="1"/>
+          <p:nvPr/>
+        </p:nvSpPr>
+        <p:spPr>
+          <a:xfrm>
+            <a:off x="4804834" y="2110449"/>
+            <a:ext cx="6239932" cy="276999"/>
+          </a:xfrm>
+          <a:prstGeom prst="rect">
+            <a:avLst/>
+          </a:prstGeom>
+          <a:noFill/>
+        </p:spPr>
+        <p:txBody>
+          <a:bodyPr wrap="square">
+            <a:spAutoFit/>
+          </a:bodyPr>
+          <a:lstStyle/>
+          <a:p>
+            <a:r>
+              <a:rPr lang="en-GB" sz="1200" dirty="0"/>
+              <a:t>Area outlier: </a:t>
+            </a:r>
+            <a:r>
+              <a:rPr lang="en-GB" sz="1200" b="1" dirty="0">
+                <a:solidFill>
+                  <a:srgbClr val="C00000"/>
+                </a:solidFill>
+              </a:rPr>
+              <a:t>Grubb's test p-value (default: 0.01, range 0-1) </a:t>
+            </a:r>
+            <a:r>
+              <a:rPr lang="en-GB" sz="1200" dirty="0"/>
+              <a:t>to flag outlier cells based on cell area.</a:t>
+            </a:r>
+            <a:endParaRPr lang="en-US" sz="1200" dirty="0"/>
+          </a:p>
+        </p:txBody>
+      </p:sp>
+    </p:spTree>
+    <p:extLst>
+      <p:ext uri="{BB962C8B-B14F-4D97-AF65-F5344CB8AC3E}">
+        <p14:creationId xmlns:p14="http://schemas.microsoft.com/office/powerpoint/2010/main" val="839686877"/>
+      </p:ext>
+    </p:extLst>
+  </p:cSld>
+  <p:clrMapOvr>
+    <a:masterClrMapping/>
+  </p:clrMapOvr>
+</p:sld>
+</file>
+
+<file path=ppt/slides/slide3.xml><?xml version="1.0" encoding="utf-8"?>
+<p:sld xmlns:a="http://schemas.openxmlformats.org/drawingml/2006/main" xmlns:r="http://schemas.openxmlformats.org/officeDocument/2006/relationships" xmlns:p="http://schemas.openxmlformats.org/presentationml/2006/main">
+  <p:cSld>
+    <p:spTree>
+      <p:nvGrpSpPr>
+        <p:cNvPr id="1" name=""/>
+        <p:cNvGrpSpPr/>
+        <p:nvPr/>
+      </p:nvGrpSpPr>
+      <p:grpSpPr>
+        <a:xfrm>
+          <a:off x="0" y="0"/>
+          <a:ext cx="0" cy="0"/>
+          <a:chOff x="0" y="0"/>
+          <a:chExt cx="0" cy="0"/>
+        </a:xfrm>
+      </p:grpSpPr>
+      <p:pic>
+        <p:nvPicPr>
+          <p:cNvPr id="5" name="Picture 4">
+            <a:extLst>
+              <a:ext uri="{FF2B5EF4-FFF2-40B4-BE49-F238E27FC236}">
+                <a16:creationId xmlns:a16="http://schemas.microsoft.com/office/drawing/2014/main" id="{337DDB75-8F85-4BBA-AD00-1F7A65C23958}"/>
+              </a:ext>
+            </a:extLst>
+          </p:cNvPr>
+          <p:cNvPicPr>
+            <a:picLocks noChangeAspect="1"/>
+          </p:cNvPicPr>
+          <p:nvPr/>
+        </p:nvPicPr>
+        <p:blipFill>
+          <a:blip r:embed="rId2">
+            <a:extLst>
+              <a:ext uri="{28A0092B-C50C-407E-A947-70E740481C1C}">
+                <a14:useLocalDpi xmlns:a14="http://schemas.microsoft.com/office/drawing/2010/main" val="0"/>
+              </a:ext>
+            </a:extLst>
+          </a:blip>
+          <a:stretch>
+            <a:fillRect/>
+          </a:stretch>
+        </p:blipFill>
+        <p:spPr>
+          <a:xfrm>
+            <a:off x="5879648" y="3042989"/>
+            <a:ext cx="5165118" cy="3366766"/>
+          </a:xfrm>
+          <a:prstGeom prst="roundRect">
+            <a:avLst>
+              <a:gd name="adj" fmla="val 17363"/>
+            </a:avLst>
+          </a:prstGeom>
+        </p:spPr>
+      </p:pic>
+      <p:sp>
+        <p:nvSpPr>
+          <p:cNvPr id="6" name="TextBox 5">
+            <a:extLst>
+              <a:ext uri="{FF2B5EF4-FFF2-40B4-BE49-F238E27FC236}">
+                <a16:creationId xmlns:a16="http://schemas.microsoft.com/office/drawing/2014/main" id="{993848A3-D079-47FA-80C3-9F3DA36E6A14}"/>
+              </a:ext>
+            </a:extLst>
+          </p:cNvPr>
+          <p:cNvSpPr txBox="1"/>
+          <p:nvPr/>
+        </p:nvSpPr>
+        <p:spPr>
+          <a:xfrm>
+            <a:off x="270935" y="262466"/>
+            <a:ext cx="4021664" cy="2349579"/>
+          </a:xfrm>
+          <a:prstGeom prst="roundRect">
+            <a:avLst/>
+          </a:prstGeom>
+          <a:solidFill>
+            <a:schemeClr val="accent1">
+              <a:lumMod val="20000"/>
+              <a:lumOff val="80000"/>
+            </a:schemeClr>
+          </a:solidFill>
+        </p:spPr>
+        <p:txBody>
+          <a:bodyPr wrap="square" rtlCol="0">
+            <a:spAutoFit/>
+          </a:bodyPr>
+          <a:lstStyle/>
+          <a:p>
+            <a:pPr algn="ctr"/>
+            <a:r>
+              <a:rPr lang="en-US" b="1" dirty="0">
+                <a:solidFill>
+                  <a:schemeClr val="accent1">
+                    <a:lumMod val="50000"/>
+                  </a:schemeClr>
+                </a:solidFill>
+              </a:rPr>
+              <a:t>Filtering criteria</a:t>
+            </a:r>
+          </a:p>
+          <a:p>
+            <a:endParaRPr lang="en-US" dirty="0"/>
+          </a:p>
+          <a:p>
+            <a:r>
+              <a:rPr lang="en-US" sz="1600" dirty="0" err="1"/>
+              <a:t>to_keep</a:t>
+            </a:r>
+            <a:r>
+              <a:rPr lang="en-US" sz="1600" dirty="0"/>
+              <a:t> == TRUE when:</a:t>
+            </a:r>
+          </a:p>
+          <a:p>
+            <a:endParaRPr lang="en-US" sz="1600" dirty="0"/>
+          </a:p>
+          <a:p>
+            <a:pPr marL="285750" indent="-285750">
+              <a:buFont typeface="Arial" panose="020B0604020202020204" pitchFamily="34" charset="0"/>
+              <a:buChar char="•"/>
+            </a:pPr>
+            <a:r>
+              <a:rPr lang="en-US" sz="1600" dirty="0"/>
+              <a:t>Total counts 		&gt;= 50</a:t>
+            </a:r>
+          </a:p>
+          <a:p>
+            <a:pPr marL="285750" indent="-285750">
+              <a:buFont typeface="Arial" panose="020B0604020202020204" pitchFamily="34" charset="0"/>
+              <a:buChar char="•"/>
+            </a:pPr>
+            <a:r>
+              <a:rPr lang="en-US" sz="1600" dirty="0"/>
+              <a:t>Negative fraction 		&lt;= 0.1</a:t>
+            </a:r>
+          </a:p>
+          <a:p>
+            <a:pPr marL="285750" indent="-285750">
+              <a:buFont typeface="Arial" panose="020B0604020202020204" pitchFamily="34" charset="0"/>
+              <a:buChar char="•"/>
+            </a:pPr>
+            <a:r>
+              <a:rPr lang="en-US" sz="1600" dirty="0"/>
+              <a:t>Complexity* 		&gt; 1 </a:t>
+            </a:r>
+          </a:p>
+          <a:p>
+            <a:pPr marL="285750" indent="-285750">
+              <a:buFont typeface="Arial" panose="020B0604020202020204" pitchFamily="34" charset="0"/>
+              <a:buChar char="•"/>
+            </a:pPr>
+            <a:r>
+              <a:rPr lang="en-US" sz="1600" dirty="0"/>
+              <a:t>Outlier (area)		== FALSE</a:t>
+            </a:r>
+            <a:endParaRPr lang="en-US" dirty="0"/>
+          </a:p>
+        </p:txBody>
+      </p:sp>
+      <p:sp>
+        <p:nvSpPr>
+          <p:cNvPr id="8" name="TextBox 7">
+            <a:extLst>
+              <a:ext uri="{FF2B5EF4-FFF2-40B4-BE49-F238E27FC236}">
+                <a16:creationId xmlns:a16="http://schemas.microsoft.com/office/drawing/2014/main" id="{4C7B422A-6D93-451E-9439-92333C31A031}"/>
+              </a:ext>
+            </a:extLst>
+          </p:cNvPr>
+          <p:cNvSpPr txBox="1"/>
+          <p:nvPr/>
+        </p:nvSpPr>
+        <p:spPr>
+          <a:xfrm>
+            <a:off x="2209799" y="2612045"/>
+            <a:ext cx="2082800" cy="261610"/>
+          </a:xfrm>
+          <a:prstGeom prst="rect">
+            <a:avLst/>
+          </a:prstGeom>
+          <a:noFill/>
+        </p:spPr>
+        <p:txBody>
+          <a:bodyPr wrap="square">
+            <a:spAutoFit/>
+          </a:bodyPr>
+          <a:lstStyle/>
+          <a:p>
+            <a:r>
+              <a:rPr lang="en-US" sz="1100" dirty="0"/>
+              <a:t>* Total counts / detected genes</a:t>
+            </a:r>
+          </a:p>
+        </p:txBody>
+      </p:sp>
+      <p:sp>
+        <p:nvSpPr>
+          <p:cNvPr id="7" name="TextBox 6">
+            <a:extLst>
+              <a:ext uri="{FF2B5EF4-FFF2-40B4-BE49-F238E27FC236}">
+                <a16:creationId xmlns:a16="http://schemas.microsoft.com/office/drawing/2014/main" id="{F9C1B78B-2D0E-410C-8B54-FCCF3B8C6A41}"/>
+              </a:ext>
+            </a:extLst>
+          </p:cNvPr>
+          <p:cNvSpPr txBox="1"/>
+          <p:nvPr/>
+        </p:nvSpPr>
+        <p:spPr>
+          <a:xfrm>
+            <a:off x="4804834" y="262466"/>
+            <a:ext cx="5342465" cy="461665"/>
+          </a:xfrm>
+          <a:prstGeom prst="rect">
+            <a:avLst/>
+          </a:prstGeom>
+          <a:noFill/>
+        </p:spPr>
+        <p:txBody>
+          <a:bodyPr wrap="square">
+            <a:spAutoFit/>
+          </a:bodyPr>
+          <a:lstStyle/>
+          <a:p>
+            <a:r>
+              <a:rPr lang="en-GB" sz="1200" dirty="0"/>
+              <a:t>Minimal counts per cell: recommend </a:t>
+            </a:r>
+            <a:r>
+              <a:rPr lang="en-GB" sz="1200" b="1" dirty="0">
+                <a:solidFill>
+                  <a:srgbClr val="C00000"/>
+                </a:solidFill>
+              </a:rPr>
+              <a:t>50 or 100 for 6K panel</a:t>
+            </a:r>
+            <a:r>
+              <a:rPr lang="en-GB" sz="1200" dirty="0"/>
+              <a:t>; </a:t>
+            </a:r>
+          </a:p>
+          <a:p>
+            <a:r>
+              <a:rPr lang="en-GB" sz="1200" dirty="0"/>
+              <a:t>must be &gt;1. Increase the threshold to make QC more conservative. </a:t>
+            </a:r>
+            <a:endParaRPr lang="en-US" sz="1200" dirty="0"/>
+          </a:p>
+        </p:txBody>
+      </p:sp>
+      <p:sp>
+        <p:nvSpPr>
+          <p:cNvPr id="10" name="TextBox 9">
+            <a:extLst>
+              <a:ext uri="{FF2B5EF4-FFF2-40B4-BE49-F238E27FC236}">
+                <a16:creationId xmlns:a16="http://schemas.microsoft.com/office/drawing/2014/main" id="{80A884BF-8F18-48FF-A5F9-0D0EE15BD0C3}"/>
+              </a:ext>
+            </a:extLst>
+          </p:cNvPr>
+          <p:cNvSpPr txBox="1"/>
+          <p:nvPr/>
+        </p:nvSpPr>
+        <p:spPr>
+          <a:xfrm>
+            <a:off x="4804834" y="816905"/>
+            <a:ext cx="7353300" cy="461665"/>
+          </a:xfrm>
+          <a:prstGeom prst="rect">
+            <a:avLst/>
+          </a:prstGeom>
+          <a:noFill/>
+        </p:spPr>
+        <p:txBody>
+          <a:bodyPr wrap="square">
+            <a:spAutoFit/>
+          </a:bodyPr>
+          <a:lstStyle/>
+          <a:p>
+            <a:r>
+              <a:rPr lang="en-GB" sz="1200" dirty="0"/>
+              <a:t>Proportion of negative counts: flag cells where </a:t>
+            </a:r>
+            <a:r>
+              <a:rPr lang="en-GB" sz="1200" b="1" dirty="0">
+                <a:solidFill>
+                  <a:srgbClr val="C00000"/>
+                </a:solidFill>
+              </a:rPr>
+              <a:t>&gt;10% (0.1, the default value) </a:t>
+            </a:r>
+            <a:r>
+              <a:rPr lang="en-GB" sz="1200" dirty="0"/>
+              <a:t>of the counts per cell</a:t>
+            </a:r>
+          </a:p>
+          <a:p>
+            <a:r>
+              <a:rPr lang="en-GB" sz="1200" dirty="0"/>
+              <a:t>are negative probes. Decrease the threshold to make QC more conservative.</a:t>
+            </a:r>
+            <a:endParaRPr lang="en-US" sz="1200" dirty="0"/>
+          </a:p>
+        </p:txBody>
+      </p:sp>
+      <p:sp>
+        <p:nvSpPr>
+          <p:cNvPr id="11" name="TextBox 10">
+            <a:extLst>
+              <a:ext uri="{FF2B5EF4-FFF2-40B4-BE49-F238E27FC236}">
+                <a16:creationId xmlns:a16="http://schemas.microsoft.com/office/drawing/2014/main" id="{082E1FCE-0B81-44AF-8566-3DCEF06D30BC}"/>
+              </a:ext>
+            </a:extLst>
+          </p:cNvPr>
+          <p:cNvSpPr txBox="1"/>
+          <p:nvPr/>
+        </p:nvSpPr>
+        <p:spPr>
+          <a:xfrm>
+            <a:off x="4804834" y="1371344"/>
+            <a:ext cx="7670800" cy="646331"/>
+          </a:xfrm>
+          <a:prstGeom prst="rect">
+            <a:avLst/>
+          </a:prstGeom>
+          <a:noFill/>
+        </p:spPr>
+        <p:txBody>
+          <a:bodyPr wrap="square">
+            <a:spAutoFit/>
+          </a:bodyPr>
+          <a:lstStyle/>
+          <a:p>
+            <a:r>
+              <a:rPr lang="en-GB" sz="1200" dirty="0"/>
+              <a:t>Count distribution: flag cells where </a:t>
+            </a:r>
+            <a:r>
+              <a:rPr lang="en-GB" sz="1200" b="1" dirty="0">
+                <a:solidFill>
+                  <a:srgbClr val="C00000"/>
+                </a:solidFill>
+              </a:rPr>
+              <a:t>(total counts) / (number of detected genes) ≤1 </a:t>
+            </a:r>
+            <a:r>
+              <a:rPr lang="en-GB" sz="1200" dirty="0"/>
+              <a:t>(default value;</a:t>
+            </a:r>
+          </a:p>
+          <a:p>
+            <a:r>
+              <a:rPr lang="en-GB" sz="1200" dirty="0"/>
+              <a:t>range 1-200). In other words, total counts must exceed the number of detected genes in the cell.</a:t>
+            </a:r>
+          </a:p>
+          <a:p>
+            <a:r>
+              <a:rPr lang="en-GB" sz="1200" dirty="0"/>
+              <a:t>Increase threshold to make QC more conservative.</a:t>
+            </a:r>
+            <a:endParaRPr lang="en-US" sz="1200" dirty="0"/>
+          </a:p>
+        </p:txBody>
+      </p:sp>
+      <p:sp>
+        <p:nvSpPr>
+          <p:cNvPr id="13" name="TextBox 12">
+            <a:extLst>
+              <a:ext uri="{FF2B5EF4-FFF2-40B4-BE49-F238E27FC236}">
+                <a16:creationId xmlns:a16="http://schemas.microsoft.com/office/drawing/2014/main" id="{54FCA2CF-283A-4722-B94F-1E494A7520E6}"/>
+              </a:ext>
+            </a:extLst>
+          </p:cNvPr>
+          <p:cNvSpPr txBox="1"/>
+          <p:nvPr/>
+        </p:nvSpPr>
+        <p:spPr>
+          <a:xfrm>
+            <a:off x="4804834" y="2110449"/>
+            <a:ext cx="6239932" cy="276999"/>
+          </a:xfrm>
+          <a:prstGeom prst="rect">
+            <a:avLst/>
+          </a:prstGeom>
+          <a:noFill/>
+        </p:spPr>
+        <p:txBody>
+          <a:bodyPr wrap="square">
+            <a:spAutoFit/>
+          </a:bodyPr>
+          <a:lstStyle/>
+          <a:p>
+            <a:r>
+              <a:rPr lang="en-GB" sz="1200" dirty="0"/>
+              <a:t>Area outlier: </a:t>
+            </a:r>
+            <a:r>
+              <a:rPr lang="en-GB" sz="1200" b="1" dirty="0">
+                <a:solidFill>
+                  <a:srgbClr val="C00000"/>
+                </a:solidFill>
+              </a:rPr>
+              <a:t>Grubb's test p-value (default: 0.01, range 0-1) </a:t>
+            </a:r>
+            <a:r>
+              <a:rPr lang="en-GB" sz="1200" dirty="0"/>
+              <a:t>to flag outlier cells based on cell area.</a:t>
+            </a:r>
+            <a:endParaRPr lang="en-US" sz="1200" dirty="0"/>
+          </a:p>
+        </p:txBody>
+      </p:sp>
+    </p:spTree>
+    <p:extLst>
+      <p:ext uri="{BB962C8B-B14F-4D97-AF65-F5344CB8AC3E}">
+        <p14:creationId xmlns:p14="http://schemas.microsoft.com/office/powerpoint/2010/main" val="487892141"/>
+      </p:ext>
+    </p:extLst>
+  </p:cSld>
+  <p:clrMapOvr>
+    <a:masterClrMapping/>
+  </p:clrMapOvr>
+</p:sld>
+</file>
+
+<file path=ppt/slides/slide4.xml><?xml version="1.0" encoding="utf-8"?>
+<p:sld xmlns:a="http://schemas.openxmlformats.org/drawingml/2006/main" xmlns:r="http://schemas.openxmlformats.org/officeDocument/2006/relationships" xmlns:p="http://schemas.openxmlformats.org/presentationml/2006/main">
+  <p:cSld>
+    <p:spTree>
+      <p:nvGrpSpPr>
+        <p:cNvPr id="1" name=""/>
+        <p:cNvGrpSpPr/>
+        <p:nvPr/>
+      </p:nvGrpSpPr>
+      <p:grpSpPr>
+        <a:xfrm>
+          <a:off x="0" y="0"/>
+          <a:ext cx="0" cy="0"/>
+          <a:chOff x="0" y="0"/>
+          <a:chExt cx="0" cy="0"/>
+        </a:xfrm>
+      </p:grpSpPr>
+      <p:pic>
+        <p:nvPicPr>
+          <p:cNvPr id="5" name="Picture 4">
+            <a:extLst>
+              <a:ext uri="{FF2B5EF4-FFF2-40B4-BE49-F238E27FC236}">
+                <a16:creationId xmlns:a16="http://schemas.microsoft.com/office/drawing/2014/main" id="{337DDB75-8F85-4BBA-AD00-1F7A65C23958}"/>
+              </a:ext>
+            </a:extLst>
+          </p:cNvPr>
+          <p:cNvPicPr>
+            <a:picLocks noChangeAspect="1"/>
+          </p:cNvPicPr>
+          <p:nvPr/>
+        </p:nvPicPr>
+        <p:blipFill>
+          <a:blip r:embed="rId2">
+            <a:extLst>
+              <a:ext uri="{28A0092B-C50C-407E-A947-70E740481C1C}">
+                <a14:useLocalDpi xmlns:a14="http://schemas.microsoft.com/office/drawing/2010/main" val="0"/>
+              </a:ext>
+            </a:extLst>
+          </a:blip>
+          <a:stretch>
+            <a:fillRect/>
+          </a:stretch>
+        </p:blipFill>
+        <p:spPr>
+          <a:xfrm>
+            <a:off x="484697" y="2895601"/>
+            <a:ext cx="5789149" cy="3773526"/>
+          </a:xfrm>
+          <a:prstGeom prst="roundRect">
+            <a:avLst>
+              <a:gd name="adj" fmla="val 17363"/>
+            </a:avLst>
+          </a:prstGeom>
+        </p:spPr>
+      </p:pic>
+      <p:sp>
+        <p:nvSpPr>
+          <p:cNvPr id="6" name="TextBox 5">
+            <a:extLst>
+              <a:ext uri="{FF2B5EF4-FFF2-40B4-BE49-F238E27FC236}">
+                <a16:creationId xmlns:a16="http://schemas.microsoft.com/office/drawing/2014/main" id="{993848A3-D079-47FA-80C3-9F3DA36E6A14}"/>
+              </a:ext>
+            </a:extLst>
+          </p:cNvPr>
+          <p:cNvSpPr txBox="1"/>
+          <p:nvPr/>
+        </p:nvSpPr>
+        <p:spPr>
+          <a:xfrm>
+            <a:off x="270935" y="262466"/>
+            <a:ext cx="4021664" cy="2349579"/>
+          </a:xfrm>
+          <a:prstGeom prst="roundRect">
+            <a:avLst/>
+          </a:prstGeom>
+          <a:solidFill>
+            <a:schemeClr val="accent1">
+              <a:lumMod val="20000"/>
+              <a:lumOff val="80000"/>
+            </a:schemeClr>
+          </a:solidFill>
+        </p:spPr>
+        <p:txBody>
+          <a:bodyPr wrap="square" rtlCol="0">
+            <a:spAutoFit/>
+          </a:bodyPr>
+          <a:lstStyle/>
+          <a:p>
+            <a:pPr algn="ctr"/>
+            <a:r>
+              <a:rPr lang="en-US" b="1" dirty="0">
+                <a:solidFill>
+                  <a:schemeClr val="accent1">
+                    <a:lumMod val="50000"/>
+                  </a:schemeClr>
+                </a:solidFill>
+              </a:rPr>
+              <a:t>Filtering criteria</a:t>
+            </a:r>
+          </a:p>
+          <a:p>
+            <a:endParaRPr lang="en-US" dirty="0"/>
+          </a:p>
+          <a:p>
+            <a:r>
+              <a:rPr lang="en-US" sz="1600" dirty="0" err="1"/>
+              <a:t>to_keep</a:t>
+            </a:r>
+            <a:r>
+              <a:rPr lang="en-US" sz="1600" dirty="0"/>
+              <a:t> == TRUE when:</a:t>
+            </a:r>
+          </a:p>
+          <a:p>
+            <a:endParaRPr lang="en-US" sz="1600" dirty="0"/>
+          </a:p>
+          <a:p>
+            <a:pPr marL="285750" indent="-285750">
+              <a:buFont typeface="Arial" panose="020B0604020202020204" pitchFamily="34" charset="0"/>
+              <a:buChar char="•"/>
+            </a:pPr>
+            <a:r>
+              <a:rPr lang="en-US" sz="1600" dirty="0"/>
+              <a:t>Total counts 		&gt;= 50</a:t>
+            </a:r>
+          </a:p>
+          <a:p>
+            <a:pPr marL="285750" indent="-285750">
+              <a:buFont typeface="Arial" panose="020B0604020202020204" pitchFamily="34" charset="0"/>
+              <a:buChar char="•"/>
+            </a:pPr>
+            <a:r>
+              <a:rPr lang="en-US" sz="1600" dirty="0"/>
+              <a:t>Negative fraction 		&lt;= 0.1</a:t>
+            </a:r>
+          </a:p>
+          <a:p>
+            <a:pPr marL="285750" indent="-285750">
+              <a:buFont typeface="Arial" panose="020B0604020202020204" pitchFamily="34" charset="0"/>
+              <a:buChar char="•"/>
+            </a:pPr>
+            <a:r>
+              <a:rPr lang="en-US" sz="1600" dirty="0"/>
+              <a:t>Complexity 		&gt; 1 </a:t>
+            </a:r>
+          </a:p>
+          <a:p>
+            <a:pPr marL="285750" indent="-285750">
+              <a:buFont typeface="Arial" panose="020B0604020202020204" pitchFamily="34" charset="0"/>
+              <a:buChar char="•"/>
+            </a:pPr>
+            <a:r>
+              <a:rPr lang="en-US" sz="1600" dirty="0"/>
+              <a:t>Outlier (area)		== FALSE</a:t>
+            </a:r>
+            <a:endParaRPr lang="en-US" dirty="0"/>
+          </a:p>
+        </p:txBody>
+      </p:sp>
+      <p:sp>
+        <p:nvSpPr>
+          <p:cNvPr id="7" name="TextBox 6">
+            <a:extLst>
+              <a:ext uri="{FF2B5EF4-FFF2-40B4-BE49-F238E27FC236}">
+                <a16:creationId xmlns:a16="http://schemas.microsoft.com/office/drawing/2014/main" id="{F9C1B78B-2D0E-410C-8B54-FCCF3B8C6A41}"/>
+              </a:ext>
+            </a:extLst>
+          </p:cNvPr>
+          <p:cNvSpPr txBox="1"/>
+          <p:nvPr/>
+        </p:nvSpPr>
+        <p:spPr>
+          <a:xfrm>
+            <a:off x="4804834" y="262466"/>
+            <a:ext cx="5342465" cy="461665"/>
+          </a:xfrm>
+          <a:prstGeom prst="rect">
+            <a:avLst/>
+          </a:prstGeom>
+          <a:noFill/>
+        </p:spPr>
+        <p:txBody>
+          <a:bodyPr wrap="square">
+            <a:spAutoFit/>
+          </a:bodyPr>
+          <a:lstStyle/>
+          <a:p>
+            <a:r>
+              <a:rPr lang="en-GB" sz="1200" dirty="0"/>
+              <a:t>Minimal counts per cell: recommend </a:t>
+            </a:r>
+            <a:r>
+              <a:rPr lang="en-GB" sz="1200" b="1" dirty="0">
+                <a:solidFill>
+                  <a:srgbClr val="C00000"/>
+                </a:solidFill>
+              </a:rPr>
+              <a:t>50 or 100 for 6K panel</a:t>
+            </a:r>
+            <a:r>
+              <a:rPr lang="en-GB" sz="1200" dirty="0"/>
+              <a:t>; </a:t>
+            </a:r>
+          </a:p>
+          <a:p>
+            <a:r>
+              <a:rPr lang="en-GB" sz="1200" dirty="0"/>
+              <a:t>must be &gt;1. Increase the threshold to make QC more conservative. </a:t>
+            </a:r>
+            <a:endParaRPr lang="en-US" sz="1200" dirty="0"/>
+          </a:p>
+        </p:txBody>
+      </p:sp>
+      <p:sp>
+        <p:nvSpPr>
+          <p:cNvPr id="10" name="TextBox 9">
+            <a:extLst>
+              <a:ext uri="{FF2B5EF4-FFF2-40B4-BE49-F238E27FC236}">
+                <a16:creationId xmlns:a16="http://schemas.microsoft.com/office/drawing/2014/main" id="{80A884BF-8F18-48FF-A5F9-0D0EE15BD0C3}"/>
+              </a:ext>
+            </a:extLst>
+          </p:cNvPr>
+          <p:cNvSpPr txBox="1"/>
+          <p:nvPr/>
+        </p:nvSpPr>
+        <p:spPr>
+          <a:xfrm>
+            <a:off x="4804834" y="816905"/>
+            <a:ext cx="7353300" cy="461665"/>
+          </a:xfrm>
+          <a:prstGeom prst="rect">
+            <a:avLst/>
+          </a:prstGeom>
+          <a:noFill/>
+        </p:spPr>
+        <p:txBody>
+          <a:bodyPr wrap="square">
+            <a:spAutoFit/>
+          </a:bodyPr>
+          <a:lstStyle/>
+          <a:p>
+            <a:r>
+              <a:rPr lang="en-GB" sz="1200" dirty="0"/>
+              <a:t>Proportion of negative counts: flag cells where </a:t>
+            </a:r>
+            <a:r>
+              <a:rPr lang="en-GB" sz="1200" b="1" dirty="0">
+                <a:solidFill>
+                  <a:srgbClr val="C00000"/>
+                </a:solidFill>
+              </a:rPr>
+              <a:t>&gt;10% (0.1, the default value) </a:t>
+            </a:r>
+            <a:r>
+              <a:rPr lang="en-GB" sz="1200" dirty="0"/>
+              <a:t>of the counts per cell</a:t>
+            </a:r>
+          </a:p>
+          <a:p>
+            <a:r>
+              <a:rPr lang="en-GB" sz="1200" dirty="0"/>
+              <a:t>are negative probes. Decrease the threshold to make QC more conservative.</a:t>
+            </a:r>
+            <a:endParaRPr lang="en-US" sz="1200" dirty="0"/>
+          </a:p>
+        </p:txBody>
+      </p:sp>
+      <p:sp>
+        <p:nvSpPr>
+          <p:cNvPr id="11" name="TextBox 10">
+            <a:extLst>
+              <a:ext uri="{FF2B5EF4-FFF2-40B4-BE49-F238E27FC236}">
+                <a16:creationId xmlns:a16="http://schemas.microsoft.com/office/drawing/2014/main" id="{082E1FCE-0B81-44AF-8566-3DCEF06D30BC}"/>
+              </a:ext>
+            </a:extLst>
+          </p:cNvPr>
+          <p:cNvSpPr txBox="1"/>
+          <p:nvPr/>
+        </p:nvSpPr>
+        <p:spPr>
+          <a:xfrm>
+            <a:off x="4804834" y="1371344"/>
+            <a:ext cx="7670800" cy="646331"/>
+          </a:xfrm>
+          <a:prstGeom prst="rect">
+            <a:avLst/>
+          </a:prstGeom>
+          <a:noFill/>
+        </p:spPr>
+        <p:txBody>
+          <a:bodyPr wrap="square">
+            <a:spAutoFit/>
+          </a:bodyPr>
+          <a:lstStyle/>
+          <a:p>
+            <a:r>
+              <a:rPr lang="en-GB" sz="1200" dirty="0"/>
+              <a:t>Complexity: flag cells where </a:t>
+            </a:r>
+            <a:r>
+              <a:rPr lang="en-GB" sz="1200" b="1" dirty="0">
+                <a:solidFill>
+                  <a:srgbClr val="C00000"/>
+                </a:solidFill>
+              </a:rPr>
+              <a:t>(total counts) / (number of detected genes) ≤1 </a:t>
+            </a:r>
+            <a:r>
+              <a:rPr lang="en-GB" sz="1200" dirty="0"/>
+              <a:t>(default value;</a:t>
+            </a:r>
+          </a:p>
+          <a:p>
+            <a:r>
+              <a:rPr lang="en-GB" sz="1200" dirty="0"/>
+              <a:t>range 1-200). In other words, total counts must exceed the number of detected genes in the cell.</a:t>
+            </a:r>
+          </a:p>
+          <a:p>
+            <a:r>
+              <a:rPr lang="en-GB" sz="1200" dirty="0"/>
+              <a:t>Increase threshold to make QC more conservative.</a:t>
+            </a:r>
+            <a:endParaRPr lang="en-US" sz="1200" dirty="0"/>
+          </a:p>
+        </p:txBody>
+      </p:sp>
+      <p:sp>
+        <p:nvSpPr>
+          <p:cNvPr id="13" name="TextBox 12">
+            <a:extLst>
+              <a:ext uri="{FF2B5EF4-FFF2-40B4-BE49-F238E27FC236}">
+                <a16:creationId xmlns:a16="http://schemas.microsoft.com/office/drawing/2014/main" id="{54FCA2CF-283A-4722-B94F-1E494A7520E6}"/>
+              </a:ext>
+            </a:extLst>
+          </p:cNvPr>
+          <p:cNvSpPr txBox="1"/>
+          <p:nvPr/>
+        </p:nvSpPr>
+        <p:spPr>
+          <a:xfrm>
+            <a:off x="4804834" y="2110449"/>
+            <a:ext cx="6239932" cy="276999"/>
+          </a:xfrm>
+          <a:prstGeom prst="rect">
+            <a:avLst/>
+          </a:prstGeom>
+          <a:noFill/>
+        </p:spPr>
+        <p:txBody>
+          <a:bodyPr wrap="square">
+            <a:spAutoFit/>
+          </a:bodyPr>
+          <a:lstStyle/>
+          <a:p>
+            <a:r>
+              <a:rPr lang="en-GB" sz="1200" dirty="0"/>
+              <a:t>Area outlier: </a:t>
+            </a:r>
+            <a:r>
+              <a:rPr lang="en-GB" sz="1200" b="1" dirty="0">
+                <a:solidFill>
+                  <a:srgbClr val="C00000"/>
+                </a:solidFill>
+              </a:rPr>
+              <a:t>Grubb's test p-value (default: 0.01, range 0-1) </a:t>
+            </a:r>
+            <a:r>
+              <a:rPr lang="en-GB" sz="1200" dirty="0"/>
+              <a:t>to flag outlier cells based on cell area.</a:t>
+            </a:r>
+            <a:endParaRPr lang="en-US" sz="1200" dirty="0"/>
           </a:p>
         </p:txBody>
       </p:sp>
